--- a/KnoxDevs - Battle of the Javascript Frameworks - Vue.js is Simple, and So Can You.pptx
+++ b/KnoxDevs - Battle of the Javascript Frameworks - Vue.js is Simple, and So Can You.pptx
@@ -14795,7 +14795,9 @@
         </p:nvSpPr>
         <p:spPr/>
         <p:txBody>
-          <a:bodyPr/>
+          <a:bodyPr>
+            <a:normAutofit lnSpcReduction="10000"/>
+          </a:bodyPr>
           <a:lstStyle/>
           <a:p>
             <a:r>
@@ -14863,6 +14865,20 @@
             <a:r>
               <a:rPr lang="en-US" dirty="0"/>
               <a:t>Yeah man, I know how to manipulate the DOM. Now hire me to do C#.</a:t>
+            </a:r>
+          </a:p>
+          <a:p>
+            <a:r>
+              <a:rPr lang="en-US" dirty="0"/>
+              <a:t>Do I know what a promise is? Yeah, I promise I know </a:t>
+            </a:r>
+            <a:r>
+              <a:rPr lang="en-US" dirty="0" err="1"/>
+              <a:t>Javascript</a:t>
+            </a:r>
+            <a:r>
+              <a:rPr lang="en-US" dirty="0"/>
+              <a:t>, now let me work on your C# project.</a:t>
             </a:r>
           </a:p>
           <a:p>
@@ -15144,6 +15160,55 @@
                       </p:childTnLst>
                     </p:cTn>
                   </p:par>
+                  <p:par>
+                    <p:cTn id="23" fill="hold">
+                      <p:stCondLst>
+                        <p:cond delay="indefinite"/>
+                      </p:stCondLst>
+                      <p:childTnLst>
+                        <p:par>
+                          <p:cTn id="24" fill="hold">
+                            <p:stCondLst>
+                              <p:cond delay="0"/>
+                            </p:stCondLst>
+                            <p:childTnLst>
+                              <p:par>
+                                <p:cTn id="25" presetID="1" presetClass="entr" presetSubtype="0" fill="hold" grpId="0" nodeType="clickEffect">
+                                  <p:stCondLst>
+                                    <p:cond delay="0"/>
+                                  </p:stCondLst>
+                                  <p:childTnLst>
+                                    <p:set>
+                                      <p:cBhvr>
+                                        <p:cTn id="26" dur="1" fill="hold">
+                                          <p:stCondLst>
+                                            <p:cond delay="0"/>
+                                          </p:stCondLst>
+                                        </p:cTn>
+                                        <p:tgtEl>
+                                          <p:spTgt spid="3">
+                                            <p:txEl>
+                                              <p:pRg st="5" end="5"/>
+                                            </p:txEl>
+                                          </p:spTgt>
+                                        </p:tgtEl>
+                                        <p:attrNameLst>
+                                          <p:attrName>style.visibility</p:attrName>
+                                        </p:attrNameLst>
+                                      </p:cBhvr>
+                                      <p:to>
+                                        <p:strVal val="visible"/>
+                                      </p:to>
+                                    </p:set>
+                                  </p:childTnLst>
+                                </p:cTn>
+                              </p:par>
+                            </p:childTnLst>
+                          </p:cTn>
+                        </p:par>
+                      </p:childTnLst>
+                    </p:cTn>
+                  </p:par>
                 </p:childTnLst>
               </p:cTn>
               <p:prevCondLst>
@@ -15236,7 +15301,7 @@
         <p:spPr/>
         <p:txBody>
           <a:bodyPr>
-            <a:normAutofit lnSpcReduction="10000"/>
+            <a:normAutofit fontScale="92500" lnSpcReduction="10000"/>
           </a:bodyPr>
           <a:lstStyle/>
           <a:p>
@@ -15282,7 +15347,7 @@
           <a:p>
             <a:r>
               <a:rPr lang="en-US" dirty="0"/>
-              <a:t>What Angular should I learn, version 1 or version 2? Or, hold on, wait!?!</a:t>
+              <a:t>What Angular should I learn, version 1 or version 2? Or, hold on, wait!?! How many distinct versions are there of this thing?</a:t>
             </a:r>
           </a:p>
           <a:p>
@@ -16734,8 +16799,35 @@
         </p:nvSpPr>
         <p:spPr/>
         <p:txBody>
-          <a:bodyPr/>
+          <a:bodyPr>
+            <a:normAutofit fontScale="92500" lnSpcReduction="10000"/>
+          </a:bodyPr>
           <a:lstStyle/>
+          <a:p>
+            <a:r>
+              <a:rPr lang="en-US" dirty="0"/>
+              <a:t>These Vue apps work so well together, they literally finish each other’s sentences!</a:t>
+            </a:r>
+          </a:p>
+          <a:p>
+            <a:r>
+              <a:rPr lang="en-US" dirty="0"/>
+              <a:t>This means you can run a Vue app along-side your existing legacy website and </a:t>
+            </a:r>
+            <a:r>
+              <a:rPr lang="en-US" dirty="0" err="1"/>
+              <a:t>Javascript</a:t>
+            </a:r>
+            <a:r>
+              <a:rPr lang="en-US" dirty="0"/>
+              <a:t> libraries and not have to worry about it interfering </a:t>
+            </a:r>
+            <a:r>
+              <a:rPr lang="en-US"/>
+              <a:t>with anything.</a:t>
+            </a:r>
+            <a:endParaRPr lang="en-US" dirty="0"/>
+          </a:p>
           <a:p>
             <a:r>
               <a:rPr lang="en-US" dirty="0"/>
@@ -17047,6 +17139,104 @@
                                           <p:spTgt spid="3">
                                             <p:txEl>
                                               <p:pRg st="4" end="4"/>
+                                            </p:txEl>
+                                          </p:spTgt>
+                                        </p:tgtEl>
+                                        <p:attrNameLst>
+                                          <p:attrName>style.visibility</p:attrName>
+                                        </p:attrNameLst>
+                                      </p:cBhvr>
+                                      <p:to>
+                                        <p:strVal val="visible"/>
+                                      </p:to>
+                                    </p:set>
+                                  </p:childTnLst>
+                                </p:cTn>
+                              </p:par>
+                            </p:childTnLst>
+                          </p:cTn>
+                        </p:par>
+                      </p:childTnLst>
+                    </p:cTn>
+                  </p:par>
+                  <p:par>
+                    <p:cTn id="23" fill="hold">
+                      <p:stCondLst>
+                        <p:cond delay="indefinite"/>
+                      </p:stCondLst>
+                      <p:childTnLst>
+                        <p:par>
+                          <p:cTn id="24" fill="hold">
+                            <p:stCondLst>
+                              <p:cond delay="0"/>
+                            </p:stCondLst>
+                            <p:childTnLst>
+                              <p:par>
+                                <p:cTn id="25" presetID="1" presetClass="entr" presetSubtype="0" fill="hold" grpId="0" nodeType="clickEffect">
+                                  <p:stCondLst>
+                                    <p:cond delay="0"/>
+                                  </p:stCondLst>
+                                  <p:childTnLst>
+                                    <p:set>
+                                      <p:cBhvr>
+                                        <p:cTn id="26" dur="1" fill="hold">
+                                          <p:stCondLst>
+                                            <p:cond delay="0"/>
+                                          </p:stCondLst>
+                                        </p:cTn>
+                                        <p:tgtEl>
+                                          <p:spTgt spid="3">
+                                            <p:txEl>
+                                              <p:pRg st="5" end="5"/>
+                                            </p:txEl>
+                                          </p:spTgt>
+                                        </p:tgtEl>
+                                        <p:attrNameLst>
+                                          <p:attrName>style.visibility</p:attrName>
+                                        </p:attrNameLst>
+                                      </p:cBhvr>
+                                      <p:to>
+                                        <p:strVal val="visible"/>
+                                      </p:to>
+                                    </p:set>
+                                  </p:childTnLst>
+                                </p:cTn>
+                              </p:par>
+                            </p:childTnLst>
+                          </p:cTn>
+                        </p:par>
+                      </p:childTnLst>
+                    </p:cTn>
+                  </p:par>
+                  <p:par>
+                    <p:cTn id="27" fill="hold">
+                      <p:stCondLst>
+                        <p:cond delay="indefinite"/>
+                      </p:stCondLst>
+                      <p:childTnLst>
+                        <p:par>
+                          <p:cTn id="28" fill="hold">
+                            <p:stCondLst>
+                              <p:cond delay="0"/>
+                            </p:stCondLst>
+                            <p:childTnLst>
+                              <p:par>
+                                <p:cTn id="29" presetID="1" presetClass="entr" presetSubtype="0" fill="hold" grpId="0" nodeType="clickEffect">
+                                  <p:stCondLst>
+                                    <p:cond delay="0"/>
+                                  </p:stCondLst>
+                                  <p:childTnLst>
+                                    <p:set>
+                                      <p:cBhvr>
+                                        <p:cTn id="30" dur="1" fill="hold">
+                                          <p:stCondLst>
+                                            <p:cond delay="0"/>
+                                          </p:stCondLst>
+                                        </p:cTn>
+                                        <p:tgtEl>
+                                          <p:spTgt spid="3">
+                                            <p:txEl>
+                                              <p:pRg st="6" end="6"/>
                                             </p:txEl>
                                           </p:spTgt>
                                         </p:tgtEl>
